--- a/3 -  Manipulação de dados com Microsoft SQL Server 2017/Linkedin.pptx
+++ b/3 -  Manipulação de dados com Microsoft SQL Server 2017/Linkedin.pptx
@@ -8,6 +8,17 @@
     <p:sldId id="256" r:id="rId2"/>
     <p:sldId id="328" r:id="rId3"/>
     <p:sldId id="326" r:id="rId4"/>
+    <p:sldId id="329" r:id="rId5"/>
+    <p:sldId id="330" r:id="rId6"/>
+    <p:sldId id="331" r:id="rId7"/>
+    <p:sldId id="332" r:id="rId8"/>
+    <p:sldId id="333" r:id="rId9"/>
+    <p:sldId id="334" r:id="rId10"/>
+    <p:sldId id="335" r:id="rId11"/>
+    <p:sldId id="336" r:id="rId12"/>
+    <p:sldId id="337" r:id="rId13"/>
+    <p:sldId id="343" r:id="rId14"/>
+    <p:sldId id="338" r:id="rId15"/>
   </p:sldIdLst>
   <p:sldSz cx="9144000" cy="6858000" type="screen4x3"/>
   <p:notesSz cx="6858000" cy="9144000"/>
@@ -283,7 +294,7 @@
             <a:fld id="{41371B2D-5B36-42E3-97A0-9B2A345893FE}" type="datetimeFigureOut">
               <a:rPr lang="pt-BR" smtClean="0"/>
               <a:pPr/>
-              <a:t>18/07/2021</a:t>
+              <a:t>23/07/2021</a:t>
             </a:fld>
             <a:endParaRPr lang="pt-BR"/>
           </a:p>
@@ -450,7 +461,7 @@
             <a:fld id="{41371B2D-5B36-42E3-97A0-9B2A345893FE}" type="datetimeFigureOut">
               <a:rPr lang="pt-BR" smtClean="0"/>
               <a:pPr/>
-              <a:t>18/07/2021</a:t>
+              <a:t>23/07/2021</a:t>
             </a:fld>
             <a:endParaRPr lang="pt-BR"/>
           </a:p>
@@ -627,7 +638,7 @@
             <a:fld id="{41371B2D-5B36-42E3-97A0-9B2A345893FE}" type="datetimeFigureOut">
               <a:rPr lang="pt-BR" smtClean="0"/>
               <a:pPr/>
-              <a:t>18/07/2021</a:t>
+              <a:t>23/07/2021</a:t>
             </a:fld>
             <a:endParaRPr lang="pt-BR"/>
           </a:p>
@@ -794,7 +805,7 @@
             <a:fld id="{41371B2D-5B36-42E3-97A0-9B2A345893FE}" type="datetimeFigureOut">
               <a:rPr lang="pt-BR" smtClean="0"/>
               <a:pPr/>
-              <a:t>18/07/2021</a:t>
+              <a:t>23/07/2021</a:t>
             </a:fld>
             <a:endParaRPr lang="pt-BR"/>
           </a:p>
@@ -1038,7 +1049,7 @@
             <a:fld id="{41371B2D-5B36-42E3-97A0-9B2A345893FE}" type="datetimeFigureOut">
               <a:rPr lang="pt-BR" smtClean="0"/>
               <a:pPr/>
-              <a:t>18/07/2021</a:t>
+              <a:t>23/07/2021</a:t>
             </a:fld>
             <a:endParaRPr lang="pt-BR"/>
           </a:p>
@@ -1304,7 +1315,7 @@
             <a:fld id="{41371B2D-5B36-42E3-97A0-9B2A345893FE}" type="datetimeFigureOut">
               <a:rPr lang="pt-BR" smtClean="0"/>
               <a:pPr/>
-              <a:t>18/07/2021</a:t>
+              <a:t>23/07/2021</a:t>
             </a:fld>
             <a:endParaRPr lang="pt-BR"/>
           </a:p>
@@ -1684,7 +1695,7 @@
             <a:fld id="{41371B2D-5B36-42E3-97A0-9B2A345893FE}" type="datetimeFigureOut">
               <a:rPr lang="pt-BR" smtClean="0"/>
               <a:pPr/>
-              <a:t>18/07/2021</a:t>
+              <a:t>23/07/2021</a:t>
             </a:fld>
             <a:endParaRPr lang="pt-BR"/>
           </a:p>
@@ -1836,7 +1847,7 @@
             <a:fld id="{41371B2D-5B36-42E3-97A0-9B2A345893FE}" type="datetimeFigureOut">
               <a:rPr lang="pt-BR" smtClean="0"/>
               <a:pPr/>
-              <a:t>18/07/2021</a:t>
+              <a:t>23/07/2021</a:t>
             </a:fld>
             <a:endParaRPr lang="pt-BR"/>
           </a:p>
@@ -1928,7 +1939,7 @@
             <a:fld id="{41371B2D-5B36-42E3-97A0-9B2A345893FE}" type="datetimeFigureOut">
               <a:rPr lang="pt-BR" smtClean="0"/>
               <a:pPr/>
-              <a:t>18/07/2021</a:t>
+              <a:t>23/07/2021</a:t>
             </a:fld>
             <a:endParaRPr lang="pt-BR"/>
           </a:p>
@@ -2191,7 +2202,7 @@
             <a:fld id="{41371B2D-5B36-42E3-97A0-9B2A345893FE}" type="datetimeFigureOut">
               <a:rPr lang="pt-BR" smtClean="0"/>
               <a:pPr/>
-              <a:t>18/07/2021</a:t>
+              <a:t>23/07/2021</a:t>
             </a:fld>
             <a:endParaRPr lang="pt-BR"/>
           </a:p>
@@ -2481,7 +2492,7 @@
             <a:fld id="{41371B2D-5B36-42E3-97A0-9B2A345893FE}" type="datetimeFigureOut">
               <a:rPr lang="pt-BR" smtClean="0"/>
               <a:pPr/>
-              <a:t>18/07/2021</a:t>
+              <a:t>23/07/2021</a:t>
             </a:fld>
             <a:endParaRPr lang="pt-BR"/>
           </a:p>
@@ -3254,7 +3265,7 @@
             <a:fld id="{41371B2D-5B36-42E3-97A0-9B2A345893FE}" type="datetimeFigureOut">
               <a:rPr lang="pt-BR" smtClean="0"/>
               <a:pPr/>
-              <a:t>18/07/2021</a:t>
+              <a:t>23/07/2021</a:t>
             </a:fld>
             <a:endParaRPr lang="pt-BR"/>
           </a:p>
@@ -3875,7 +3886,7 @@
       </p:grpSpPr>
       <p:pic>
         <p:nvPicPr>
-          <p:cNvPr id="4" name="Imagem 3" descr="Dashboard com Pentaho - Visualize e analise os dados.PNG"/>
+          <p:cNvPr id="2" name="Imagem 1" descr="3 -  Manipulação de dados com Microsoft SQL Server 2017.PNG"/>
           <p:cNvPicPr>
             <a:picLocks noChangeAspect="1"/>
           </p:cNvPicPr>
@@ -3889,8 +3900,8 @@
         </p:blipFill>
         <p:spPr>
           <a:xfrm>
-            <a:off x="142844" y="1000108"/>
-            <a:ext cx="8840434" cy="5611008"/>
+            <a:off x="71406" y="1214422"/>
+            <a:ext cx="8869013" cy="5620535"/>
           </a:xfrm>
           <a:prstGeom prst="rect">
             <a:avLst/>
@@ -3905,7 +3916,288 @@
 </p:sld>
 </file>
 
-<file path=ppt/slides/slide2.xml><?xml version="1.0" encoding="utf-8"?>
+<file path=ppt/slides/slide10.xml><?xml version="1.0" encoding="utf-8"?>
+<p:sld xmlns:a="http://schemas.openxmlformats.org/drawingml/2006/main" xmlns:r="http://schemas.openxmlformats.org/officeDocument/2006/relationships" xmlns:p="http://schemas.openxmlformats.org/presentationml/2006/main">
+  <p:cSld>
+    <p:spTree>
+      <p:nvGrpSpPr>
+        <p:cNvPr id="1" name=""/>
+        <p:cNvGrpSpPr/>
+        <p:nvPr/>
+      </p:nvGrpSpPr>
+      <p:grpSpPr>
+        <a:xfrm>
+          <a:off x="0" y="0"/>
+          <a:ext cx="0" cy="0"/>
+          <a:chOff x="0" y="0"/>
+          <a:chExt cx="0" cy="0"/>
+        </a:xfrm>
+      </p:grpSpPr>
+      <p:pic>
+        <p:nvPicPr>
+          <p:cNvPr id="6146" name="Picture 2"/>
+          <p:cNvPicPr>
+            <a:picLocks noChangeAspect="1" noChangeArrowheads="1"/>
+          </p:cNvPicPr>
+          <p:nvPr/>
+        </p:nvPicPr>
+        <p:blipFill>
+          <a:blip r:embed="rId2"/>
+          <a:srcRect/>
+          <a:stretch>
+            <a:fillRect/>
+          </a:stretch>
+        </p:blipFill>
+        <p:spPr bwMode="auto">
+          <a:xfrm>
+            <a:off x="-7376" y="2071678"/>
+            <a:ext cx="9151376" cy="3214710"/>
+          </a:xfrm>
+          <a:prstGeom prst="rect">
+            <a:avLst/>
+          </a:prstGeom>
+          <a:noFill/>
+          <a:ln w="9525">
+            <a:noFill/>
+            <a:miter lim="800000"/>
+            <a:headEnd/>
+            <a:tailEnd/>
+          </a:ln>
+          <a:effectLst/>
+        </p:spPr>
+      </p:pic>
+    </p:spTree>
+  </p:cSld>
+  <p:clrMapOvr>
+    <a:masterClrMapping/>
+  </p:clrMapOvr>
+</p:sld>
+</file>
+
+<file path=ppt/slides/slide11.xml><?xml version="1.0" encoding="utf-8"?>
+<p:sld xmlns:a="http://schemas.openxmlformats.org/drawingml/2006/main" xmlns:r="http://schemas.openxmlformats.org/officeDocument/2006/relationships" xmlns:p="http://schemas.openxmlformats.org/presentationml/2006/main">
+  <p:cSld>
+    <p:spTree>
+      <p:nvGrpSpPr>
+        <p:cNvPr id="1" name=""/>
+        <p:cNvGrpSpPr/>
+        <p:nvPr/>
+      </p:nvGrpSpPr>
+      <p:grpSpPr>
+        <a:xfrm>
+          <a:off x="0" y="0"/>
+          <a:ext cx="0" cy="0"/>
+          <a:chOff x="0" y="0"/>
+          <a:chExt cx="0" cy="0"/>
+        </a:xfrm>
+      </p:grpSpPr>
+      <p:pic>
+        <p:nvPicPr>
+          <p:cNvPr id="7170" name="Picture 2"/>
+          <p:cNvPicPr>
+            <a:picLocks noChangeAspect="1" noChangeArrowheads="1"/>
+          </p:cNvPicPr>
+          <p:nvPr/>
+        </p:nvPicPr>
+        <p:blipFill>
+          <a:blip r:embed="rId2"/>
+          <a:srcRect/>
+          <a:stretch>
+            <a:fillRect/>
+          </a:stretch>
+        </p:blipFill>
+        <p:spPr bwMode="auto">
+          <a:xfrm>
+            <a:off x="0" y="1571612"/>
+            <a:ext cx="8959723" cy="4305321"/>
+          </a:xfrm>
+          <a:prstGeom prst="rect">
+            <a:avLst/>
+          </a:prstGeom>
+          <a:noFill/>
+          <a:ln w="9525">
+            <a:noFill/>
+            <a:miter lim="800000"/>
+            <a:headEnd/>
+            <a:tailEnd/>
+          </a:ln>
+          <a:effectLst/>
+        </p:spPr>
+      </p:pic>
+    </p:spTree>
+  </p:cSld>
+  <p:clrMapOvr>
+    <a:masterClrMapping/>
+  </p:clrMapOvr>
+</p:sld>
+</file>
+
+<file path=ppt/slides/slide12.xml><?xml version="1.0" encoding="utf-8"?>
+<p:sld xmlns:a="http://schemas.openxmlformats.org/drawingml/2006/main" xmlns:r="http://schemas.openxmlformats.org/officeDocument/2006/relationships" xmlns:p="http://schemas.openxmlformats.org/presentationml/2006/main">
+  <p:cSld>
+    <p:spTree>
+      <p:nvGrpSpPr>
+        <p:cNvPr id="1" name=""/>
+        <p:cNvGrpSpPr/>
+        <p:nvPr/>
+      </p:nvGrpSpPr>
+      <p:grpSpPr>
+        <a:xfrm>
+          <a:off x="0" y="0"/>
+          <a:ext cx="0" cy="0"/>
+          <a:chOff x="0" y="0"/>
+          <a:chExt cx="0" cy="0"/>
+        </a:xfrm>
+      </p:grpSpPr>
+      <p:pic>
+        <p:nvPicPr>
+          <p:cNvPr id="2" name="Imagem 1" descr="TRIGGER.JPG"/>
+          <p:cNvPicPr>
+            <a:picLocks noChangeAspect="1"/>
+          </p:cNvPicPr>
+          <p:nvPr/>
+        </p:nvPicPr>
+        <p:blipFill>
+          <a:blip r:embed="rId2"/>
+          <a:stretch>
+            <a:fillRect/>
+          </a:stretch>
+        </p:blipFill>
+        <p:spPr>
+          <a:xfrm>
+            <a:off x="0" y="2143116"/>
+            <a:ext cx="9010650" cy="4362450"/>
+          </a:xfrm>
+          <a:prstGeom prst="rect">
+            <a:avLst/>
+          </a:prstGeom>
+        </p:spPr>
+      </p:pic>
+      <p:sp>
+        <p:nvSpPr>
+          <p:cNvPr id="3" name="Retângulo 2"/>
+          <p:cNvSpPr/>
+          <p:nvPr/>
+        </p:nvSpPr>
+        <p:spPr>
+          <a:xfrm>
+            <a:off x="1000100" y="642918"/>
+            <a:ext cx="3305713" cy="923330"/>
+          </a:xfrm>
+          <a:prstGeom prst="rect">
+            <a:avLst/>
+          </a:prstGeom>
+          <a:noFill/>
+        </p:spPr>
+        <p:txBody>
+          <a:bodyPr wrap="none" lIns="91440" tIns="45720" rIns="91440" bIns="45720">
+            <a:spAutoFit/>
+          </a:bodyPr>
+          <a:lstStyle/>
+          <a:p>
+            <a:pPr algn="ctr"/>
+            <a:r>
+              <a:rPr lang="pt-BR" sz="5400" b="1" dirty="0" smtClean="0">
+                <a:ln w="18000">
+                  <a:solidFill>
+                    <a:schemeClr val="accent4">
+                      <a:lumMod val="50000"/>
+                    </a:schemeClr>
+                  </a:solidFill>
+                  <a:prstDash val="solid"/>
+                  <a:miter lim="800000"/>
+                </a:ln>
+                <a:noFill/>
+                <a:effectLst>
+                  <a:outerShdw blurRad="38100" dist="38100" dir="2700000" algn="tl">
+                    <a:srgbClr val="000000">
+                      <a:alpha val="43137"/>
+                    </a:srgbClr>
+                  </a:outerShdw>
+                </a:effectLst>
+              </a:rPr>
+              <a:t>TRIGGER</a:t>
+            </a:r>
+            <a:endParaRPr lang="pt-BR" sz="5400" b="1" dirty="0">
+              <a:ln w="18000">
+                <a:solidFill>
+                  <a:schemeClr val="accent4">
+                    <a:lumMod val="50000"/>
+                  </a:schemeClr>
+                </a:solidFill>
+                <a:prstDash val="solid"/>
+                <a:miter lim="800000"/>
+              </a:ln>
+              <a:noFill/>
+              <a:effectLst>
+                <a:outerShdw blurRad="38100" dist="38100" dir="2700000" algn="tl">
+                  <a:srgbClr val="000000">
+                    <a:alpha val="43137"/>
+                  </a:srgbClr>
+                </a:outerShdw>
+              </a:effectLst>
+            </a:endParaRPr>
+          </a:p>
+        </p:txBody>
+      </p:sp>
+    </p:spTree>
+  </p:cSld>
+  <p:clrMapOvr>
+    <a:masterClrMapping/>
+  </p:clrMapOvr>
+</p:sld>
+</file>
+
+<file path=ppt/slides/slide13.xml><?xml version="1.0" encoding="utf-8"?>
+<p:sld xmlns:a="http://schemas.openxmlformats.org/drawingml/2006/main" xmlns:r="http://schemas.openxmlformats.org/officeDocument/2006/relationships" xmlns:p="http://schemas.openxmlformats.org/presentationml/2006/main">
+  <p:cSld>
+    <p:spTree>
+      <p:nvGrpSpPr>
+        <p:cNvPr id="1" name=""/>
+        <p:cNvGrpSpPr/>
+        <p:nvPr/>
+      </p:nvGrpSpPr>
+      <p:grpSpPr>
+        <a:xfrm>
+          <a:off x="0" y="0"/>
+          <a:ext cx="0" cy="0"/>
+          <a:chOff x="0" y="0"/>
+          <a:chExt cx="0" cy="0"/>
+        </a:xfrm>
+      </p:grpSpPr>
+      <p:pic>
+        <p:nvPicPr>
+          <p:cNvPr id="3" name="Imagem 2" descr="STORE PROCEDURES.jpg"/>
+          <p:cNvPicPr>
+            <a:picLocks noChangeAspect="1"/>
+          </p:cNvPicPr>
+          <p:nvPr/>
+        </p:nvPicPr>
+        <p:blipFill>
+          <a:blip r:embed="rId2"/>
+          <a:stretch>
+            <a:fillRect/>
+          </a:stretch>
+        </p:blipFill>
+        <p:spPr>
+          <a:xfrm>
+            <a:off x="1" y="1285860"/>
+            <a:ext cx="9144000" cy="5572140"/>
+          </a:xfrm>
+          <a:prstGeom prst="rect">
+            <a:avLst/>
+          </a:prstGeom>
+        </p:spPr>
+      </p:pic>
+    </p:spTree>
+  </p:cSld>
+  <p:clrMapOvr>
+    <a:masterClrMapping/>
+  </p:clrMapOvr>
+</p:sld>
+</file>
+
+<file path=ppt/slides/slide14.xml><?xml version="1.0" encoding="utf-8"?>
 <p:sld xmlns:a="http://schemas.openxmlformats.org/drawingml/2006/main" xmlns:r="http://schemas.openxmlformats.org/officeDocument/2006/relationships" xmlns:p="http://schemas.openxmlformats.org/presentationml/2006/main">
   <p:cSld>
     <p:spTree>
@@ -3939,8 +4231,8 @@
         </p:blipFill>
         <p:spPr bwMode="auto">
           <a:xfrm>
-            <a:off x="0" y="1400156"/>
-            <a:ext cx="9096407" cy="5457844"/>
+            <a:off x="785786" y="1202589"/>
+            <a:ext cx="7429552" cy="5655411"/>
           </a:xfrm>
           <a:prstGeom prst="rect">
             <a:avLst/>
@@ -3953,6 +4245,55 @@
             <a:tailEnd/>
           </a:ln>
           <a:effectLst/>
+        </p:spPr>
+      </p:pic>
+    </p:spTree>
+  </p:cSld>
+  <p:clrMapOvr>
+    <a:masterClrMapping/>
+  </p:clrMapOvr>
+</p:sld>
+</file>
+
+<file path=ppt/slides/slide2.xml><?xml version="1.0" encoding="utf-8"?>
+<p:sld xmlns:a="http://schemas.openxmlformats.org/drawingml/2006/main" xmlns:r="http://schemas.openxmlformats.org/officeDocument/2006/relationships" xmlns:p="http://schemas.openxmlformats.org/presentationml/2006/main">
+  <p:cSld>
+    <p:spTree>
+      <p:nvGrpSpPr>
+        <p:cNvPr id="1" name=""/>
+        <p:cNvGrpSpPr/>
+        <p:nvPr/>
+      </p:nvGrpSpPr>
+      <p:grpSpPr>
+        <a:xfrm>
+          <a:off x="0" y="0"/>
+          <a:ext cx="0" cy="0"/>
+          <a:chOff x="0" y="0"/>
+          <a:chExt cx="0" cy="0"/>
+        </a:xfrm>
+      </p:grpSpPr>
+      <p:pic>
+        <p:nvPicPr>
+          <p:cNvPr id="2" name="Imagem 1" descr="Projeto banco de Dados .jpg"/>
+          <p:cNvPicPr>
+            <a:picLocks noChangeAspect="1"/>
+          </p:cNvPicPr>
+          <p:nvPr/>
+        </p:nvPicPr>
+        <p:blipFill>
+          <a:blip r:embed="rId2"/>
+          <a:stretch>
+            <a:fillRect/>
+          </a:stretch>
+        </p:blipFill>
+        <p:spPr>
+          <a:xfrm>
+            <a:off x="71406" y="1142984"/>
+            <a:ext cx="9001188" cy="5000660"/>
+          </a:xfrm>
+          <a:prstGeom prst="rect">
+            <a:avLst/>
+          </a:prstGeom>
         </p:spPr>
       </p:pic>
     </p:spTree>
@@ -3989,6 +4330,187 @@
       </p:grpSpPr>
       <p:pic>
         <p:nvPicPr>
+          <p:cNvPr id="2" name="Imagem 1" descr="Projeto banco de Dados 2.jpg"/>
+          <p:cNvPicPr>
+            <a:picLocks noChangeAspect="1"/>
+          </p:cNvPicPr>
+          <p:nvPr/>
+        </p:nvPicPr>
+        <p:blipFill>
+          <a:blip r:embed="rId2"/>
+          <a:stretch>
+            <a:fillRect/>
+          </a:stretch>
+        </p:blipFill>
+        <p:spPr>
+          <a:xfrm>
+            <a:off x="0" y="1571612"/>
+            <a:ext cx="9144001" cy="4895491"/>
+          </a:xfrm>
+          <a:prstGeom prst="rect">
+            <a:avLst/>
+          </a:prstGeom>
+        </p:spPr>
+      </p:pic>
+    </p:spTree>
+  </p:cSld>
+  <p:clrMapOvr>
+    <a:masterClrMapping/>
+  </p:clrMapOvr>
+  <p:timing>
+    <p:tnLst>
+      <p:par>
+        <p:cTn id="1" dur="indefinite" restart="never" nodeType="tmRoot"/>
+      </p:par>
+    </p:tnLst>
+  </p:timing>
+</p:sld>
+</file>
+
+<file path=ppt/slides/slide4.xml><?xml version="1.0" encoding="utf-8"?>
+<p:sld xmlns:a="http://schemas.openxmlformats.org/drawingml/2006/main" xmlns:r="http://schemas.openxmlformats.org/officeDocument/2006/relationships" xmlns:p="http://schemas.openxmlformats.org/presentationml/2006/main">
+  <p:cSld>
+    <p:spTree>
+      <p:nvGrpSpPr>
+        <p:cNvPr id="1" name=""/>
+        <p:cNvGrpSpPr/>
+        <p:nvPr/>
+      </p:nvGrpSpPr>
+      <p:grpSpPr>
+        <a:xfrm>
+          <a:off x="0" y="0"/>
+          <a:ext cx="0" cy="0"/>
+          <a:chOff x="0" y="0"/>
+          <a:chExt cx="0" cy="0"/>
+        </a:xfrm>
+      </p:grpSpPr>
+      <p:pic>
+        <p:nvPicPr>
+          <p:cNvPr id="1026" name="Picture 2"/>
+          <p:cNvPicPr>
+            <a:picLocks noChangeAspect="1" noChangeArrowheads="1"/>
+          </p:cNvPicPr>
+          <p:nvPr/>
+        </p:nvPicPr>
+        <p:blipFill>
+          <a:blip r:embed="rId2"/>
+          <a:srcRect/>
+          <a:stretch>
+            <a:fillRect/>
+          </a:stretch>
+        </p:blipFill>
+        <p:spPr bwMode="auto">
+          <a:xfrm>
+            <a:off x="0" y="1714488"/>
+            <a:ext cx="8953500" cy="4714875"/>
+          </a:xfrm>
+          <a:prstGeom prst="rect">
+            <a:avLst/>
+          </a:prstGeom>
+          <a:noFill/>
+          <a:ln w="9525">
+            <a:noFill/>
+            <a:miter lim="800000"/>
+            <a:headEnd/>
+            <a:tailEnd/>
+          </a:ln>
+          <a:effectLst/>
+        </p:spPr>
+      </p:pic>
+      <p:sp>
+        <p:nvSpPr>
+          <p:cNvPr id="3" name="Retângulo 2"/>
+          <p:cNvSpPr/>
+          <p:nvPr/>
+        </p:nvSpPr>
+        <p:spPr>
+          <a:xfrm>
+            <a:off x="1000100" y="785794"/>
+            <a:ext cx="3386825" cy="923330"/>
+          </a:xfrm>
+          <a:prstGeom prst="rect">
+            <a:avLst/>
+          </a:prstGeom>
+          <a:noFill/>
+        </p:spPr>
+        <p:txBody>
+          <a:bodyPr wrap="none" lIns="91440" tIns="45720" rIns="91440" bIns="45720">
+            <a:spAutoFit/>
+          </a:bodyPr>
+          <a:lstStyle/>
+          <a:p>
+            <a:pPr algn="ctr"/>
+            <a:r>
+              <a:rPr lang="pt-BR" sz="5400" b="1" dirty="0" smtClean="0">
+                <a:ln w="18000">
+                  <a:solidFill>
+                    <a:schemeClr val="accent4">
+                      <a:lumMod val="50000"/>
+                    </a:schemeClr>
+                  </a:solidFill>
+                  <a:prstDash val="solid"/>
+                  <a:miter lim="800000"/>
+                </a:ln>
+                <a:noFill/>
+                <a:effectLst>
+                  <a:outerShdw blurRad="38100" dist="38100" dir="2700000" algn="tl">
+                    <a:srgbClr val="000000">
+                      <a:alpha val="43137"/>
+                    </a:srgbClr>
+                  </a:outerShdw>
+                </a:effectLst>
+              </a:rPr>
+              <a:t>Diagrama</a:t>
+            </a:r>
+            <a:endParaRPr lang="pt-BR" sz="5400" b="1" dirty="0">
+              <a:ln w="18000">
+                <a:solidFill>
+                  <a:schemeClr val="accent4">
+                    <a:lumMod val="50000"/>
+                  </a:schemeClr>
+                </a:solidFill>
+                <a:prstDash val="solid"/>
+                <a:miter lim="800000"/>
+              </a:ln>
+              <a:noFill/>
+              <a:effectLst>
+                <a:outerShdw blurRad="38100" dist="38100" dir="2700000" algn="tl">
+                  <a:srgbClr val="000000">
+                    <a:alpha val="43137"/>
+                  </a:srgbClr>
+                </a:outerShdw>
+              </a:effectLst>
+            </a:endParaRPr>
+          </a:p>
+        </p:txBody>
+      </p:sp>
+    </p:spTree>
+  </p:cSld>
+  <p:clrMapOvr>
+    <a:masterClrMapping/>
+  </p:clrMapOvr>
+</p:sld>
+</file>
+
+<file path=ppt/slides/slide5.xml><?xml version="1.0" encoding="utf-8"?>
+<p:sld xmlns:a="http://schemas.openxmlformats.org/drawingml/2006/main" xmlns:r="http://schemas.openxmlformats.org/officeDocument/2006/relationships" xmlns:p="http://schemas.openxmlformats.org/presentationml/2006/main">
+  <p:cSld>
+    <p:spTree>
+      <p:nvGrpSpPr>
+        <p:cNvPr id="1" name=""/>
+        <p:cNvGrpSpPr/>
+        <p:nvPr/>
+      </p:nvGrpSpPr>
+      <p:grpSpPr>
+        <a:xfrm>
+          <a:off x="0" y="0"/>
+          <a:ext cx="0" cy="0"/>
+          <a:chOff x="0" y="0"/>
+          <a:chExt cx="0" cy="0"/>
+        </a:xfrm>
+      </p:grpSpPr>
+      <p:pic>
+        <p:nvPicPr>
           <p:cNvPr id="2050" name="Picture 2"/>
           <p:cNvPicPr>
             <a:picLocks noChangeAspect="1" noChangeArrowheads="1"/>
@@ -4004,8 +4526,133 @@
         </p:blipFill>
         <p:spPr bwMode="auto">
           <a:xfrm>
-            <a:off x="357158" y="938534"/>
-            <a:ext cx="8402244" cy="5919466"/>
+            <a:off x="0" y="1476375"/>
+            <a:ext cx="9144000" cy="5381625"/>
+          </a:xfrm>
+          <a:prstGeom prst="rect">
+            <a:avLst/>
+          </a:prstGeom>
+          <a:noFill/>
+          <a:ln w="9525">
+            <a:noFill/>
+            <a:miter lim="800000"/>
+            <a:headEnd/>
+            <a:tailEnd/>
+          </a:ln>
+          <a:effectLst/>
+        </p:spPr>
+      </p:pic>
+      <p:sp>
+        <p:nvSpPr>
+          <p:cNvPr id="3" name="Retângulo 2"/>
+          <p:cNvSpPr/>
+          <p:nvPr/>
+        </p:nvSpPr>
+        <p:spPr>
+          <a:xfrm>
+            <a:off x="1000100" y="642918"/>
+            <a:ext cx="4930196" cy="923330"/>
+          </a:xfrm>
+          <a:prstGeom prst="rect">
+            <a:avLst/>
+          </a:prstGeom>
+          <a:noFill/>
+        </p:spPr>
+        <p:txBody>
+          <a:bodyPr wrap="none" lIns="91440" tIns="45720" rIns="91440" bIns="45720">
+            <a:spAutoFit/>
+          </a:bodyPr>
+          <a:lstStyle/>
+          <a:p>
+            <a:pPr algn="ctr"/>
+            <a:r>
+              <a:rPr lang="pt-BR" sz="5400" b="1" dirty="0" smtClean="0">
+                <a:ln w="18000">
+                  <a:solidFill>
+                    <a:schemeClr val="accent4">
+                      <a:lumMod val="50000"/>
+                    </a:schemeClr>
+                  </a:solidFill>
+                  <a:prstDash val="solid"/>
+                  <a:miter lim="800000"/>
+                </a:ln>
+                <a:noFill/>
+                <a:effectLst>
+                  <a:outerShdw blurRad="38100" dist="38100" dir="2700000" algn="tl">
+                    <a:srgbClr val="000000">
+                      <a:alpha val="43137"/>
+                    </a:srgbClr>
+                  </a:outerShdw>
+                </a:effectLst>
+              </a:rPr>
+              <a:t>INSERT   INTO</a:t>
+            </a:r>
+            <a:endParaRPr lang="pt-BR" sz="5400" b="1" dirty="0">
+              <a:ln w="18000">
+                <a:solidFill>
+                  <a:schemeClr val="accent4">
+                    <a:lumMod val="50000"/>
+                  </a:schemeClr>
+                </a:solidFill>
+                <a:prstDash val="solid"/>
+                <a:miter lim="800000"/>
+              </a:ln>
+              <a:noFill/>
+              <a:effectLst>
+                <a:outerShdw blurRad="38100" dist="38100" dir="2700000" algn="tl">
+                  <a:srgbClr val="000000">
+                    <a:alpha val="43137"/>
+                  </a:srgbClr>
+                </a:outerShdw>
+              </a:effectLst>
+            </a:endParaRPr>
+          </a:p>
+        </p:txBody>
+      </p:sp>
+    </p:spTree>
+  </p:cSld>
+  <p:clrMapOvr>
+    <a:masterClrMapping/>
+  </p:clrMapOvr>
+</p:sld>
+</file>
+
+<file path=ppt/slides/slide6.xml><?xml version="1.0" encoding="utf-8"?>
+<p:sld xmlns:a="http://schemas.openxmlformats.org/drawingml/2006/main" xmlns:r="http://schemas.openxmlformats.org/officeDocument/2006/relationships" xmlns:p="http://schemas.openxmlformats.org/presentationml/2006/main">
+  <p:cSld>
+    <p:spTree>
+      <p:nvGrpSpPr>
+        <p:cNvPr id="1" name=""/>
+        <p:cNvGrpSpPr/>
+        <p:nvPr/>
+      </p:nvGrpSpPr>
+      <p:grpSpPr>
+        <a:xfrm>
+          <a:off x="0" y="0"/>
+          <a:ext cx="0" cy="0"/>
+          <a:chOff x="0" y="0"/>
+          <a:chExt cx="0" cy="0"/>
+        </a:xfrm>
+      </p:grpSpPr>
+      <p:pic>
+        <p:nvPicPr>
+          <p:cNvPr id="3074" name="Picture 2"/>
+          <p:cNvPicPr>
+            <a:picLocks noChangeAspect="1" noChangeArrowheads="1"/>
+          </p:cNvPicPr>
+          <p:nvPr/>
+        </p:nvPicPr>
+        <p:blipFill>
+          <a:blip r:embed="rId2"/>
+          <a:srcRect/>
+          <a:stretch>
+            <a:fillRect/>
+          </a:stretch>
+        </p:blipFill>
+        <p:spPr bwMode="auto">
+          <a:xfrm>
+            <a:off x="0" y="1638300"/>
+            <a:ext cx="9144000" cy="4719658"/>
           </a:xfrm>
           <a:prstGeom prst="rect">
             <a:avLst/>
@@ -4025,13 +4672,238 @@
   <p:clrMapOvr>
     <a:masterClrMapping/>
   </p:clrMapOvr>
-  <p:timing>
-    <p:tnLst>
-      <p:par>
-        <p:cTn id="1" dur="indefinite" restart="never" nodeType="tmRoot"/>
-      </p:par>
-    </p:tnLst>
-  </p:timing>
+</p:sld>
+</file>
+
+<file path=ppt/slides/slide7.xml><?xml version="1.0" encoding="utf-8"?>
+<p:sld xmlns:a="http://schemas.openxmlformats.org/drawingml/2006/main" xmlns:r="http://schemas.openxmlformats.org/officeDocument/2006/relationships" xmlns:p="http://schemas.openxmlformats.org/presentationml/2006/main">
+  <p:cSld>
+    <p:spTree>
+      <p:nvGrpSpPr>
+        <p:cNvPr id="1" name=""/>
+        <p:cNvGrpSpPr/>
+        <p:nvPr/>
+      </p:nvGrpSpPr>
+      <p:grpSpPr>
+        <a:xfrm>
+          <a:off x="0" y="0"/>
+          <a:ext cx="0" cy="0"/>
+          <a:chOff x="0" y="0"/>
+          <a:chExt cx="0" cy="0"/>
+        </a:xfrm>
+      </p:grpSpPr>
+      <p:pic>
+        <p:nvPicPr>
+          <p:cNvPr id="4098" name="Picture 2"/>
+          <p:cNvPicPr>
+            <a:picLocks noChangeAspect="1" noChangeArrowheads="1"/>
+          </p:cNvPicPr>
+          <p:nvPr/>
+        </p:nvPicPr>
+        <p:blipFill>
+          <a:blip r:embed="rId2"/>
+          <a:srcRect/>
+          <a:stretch>
+            <a:fillRect/>
+          </a:stretch>
+        </p:blipFill>
+        <p:spPr bwMode="auto">
+          <a:xfrm>
+            <a:off x="157516" y="1828800"/>
+            <a:ext cx="8567346" cy="4529158"/>
+          </a:xfrm>
+          <a:prstGeom prst="rect">
+            <a:avLst/>
+          </a:prstGeom>
+          <a:noFill/>
+          <a:ln w="9525">
+            <a:noFill/>
+            <a:miter lim="800000"/>
+            <a:headEnd/>
+            <a:tailEnd/>
+          </a:ln>
+          <a:effectLst/>
+        </p:spPr>
+      </p:pic>
+      <p:sp>
+        <p:nvSpPr>
+          <p:cNvPr id="3" name="Retângulo 2"/>
+          <p:cNvSpPr/>
+          <p:nvPr/>
+        </p:nvSpPr>
+        <p:spPr>
+          <a:xfrm>
+            <a:off x="1000100" y="642918"/>
+            <a:ext cx="2647776" cy="923330"/>
+          </a:xfrm>
+          <a:prstGeom prst="rect">
+            <a:avLst/>
+          </a:prstGeom>
+          <a:noFill/>
+        </p:spPr>
+        <p:txBody>
+          <a:bodyPr wrap="none" lIns="91440" tIns="45720" rIns="91440" bIns="45720">
+            <a:spAutoFit/>
+          </a:bodyPr>
+          <a:lstStyle/>
+          <a:p>
+            <a:pPr algn="ctr"/>
+            <a:r>
+              <a:rPr lang="pt-BR" sz="5400" b="1" dirty="0" smtClean="0">
+                <a:ln w="18000">
+                  <a:solidFill>
+                    <a:schemeClr val="accent4">
+                      <a:lumMod val="50000"/>
+                    </a:schemeClr>
+                  </a:solidFill>
+                  <a:prstDash val="solid"/>
+                  <a:miter lim="800000"/>
+                </a:ln>
+                <a:noFill/>
+                <a:effectLst>
+                  <a:outerShdw blurRad="38100" dist="38100" dir="2700000" algn="tl">
+                    <a:srgbClr val="000000">
+                      <a:alpha val="43137"/>
+                    </a:srgbClr>
+                  </a:outerShdw>
+                </a:effectLst>
+              </a:rPr>
+              <a:t>MERGE</a:t>
+            </a:r>
+            <a:endParaRPr lang="pt-BR" sz="5400" b="1" dirty="0">
+              <a:ln w="18000">
+                <a:solidFill>
+                  <a:schemeClr val="accent4">
+                    <a:lumMod val="50000"/>
+                  </a:schemeClr>
+                </a:solidFill>
+                <a:prstDash val="solid"/>
+                <a:miter lim="800000"/>
+              </a:ln>
+              <a:noFill/>
+              <a:effectLst>
+                <a:outerShdw blurRad="38100" dist="38100" dir="2700000" algn="tl">
+                  <a:srgbClr val="000000">
+                    <a:alpha val="43137"/>
+                  </a:srgbClr>
+                </a:outerShdw>
+              </a:effectLst>
+            </a:endParaRPr>
+          </a:p>
+        </p:txBody>
+      </p:sp>
+    </p:spTree>
+  </p:cSld>
+  <p:clrMapOvr>
+    <a:masterClrMapping/>
+  </p:clrMapOvr>
+</p:sld>
+</file>
+
+<file path=ppt/slides/slide8.xml><?xml version="1.0" encoding="utf-8"?>
+<p:sld xmlns:a="http://schemas.openxmlformats.org/drawingml/2006/main" xmlns:r="http://schemas.openxmlformats.org/officeDocument/2006/relationships" xmlns:p="http://schemas.openxmlformats.org/presentationml/2006/main">
+  <p:cSld>
+    <p:spTree>
+      <p:nvGrpSpPr>
+        <p:cNvPr id="1" name=""/>
+        <p:cNvGrpSpPr/>
+        <p:nvPr/>
+      </p:nvGrpSpPr>
+      <p:grpSpPr>
+        <a:xfrm>
+          <a:off x="0" y="0"/>
+          <a:ext cx="0" cy="0"/>
+          <a:chOff x="0" y="0"/>
+          <a:chExt cx="0" cy="0"/>
+        </a:xfrm>
+      </p:grpSpPr>
+      <p:pic>
+        <p:nvPicPr>
+          <p:cNvPr id="2" name="Imagem 1" descr="Commit.jpg"/>
+          <p:cNvPicPr>
+            <a:picLocks noChangeAspect="1"/>
+          </p:cNvPicPr>
+          <p:nvPr/>
+        </p:nvPicPr>
+        <p:blipFill>
+          <a:blip r:embed="rId2"/>
+          <a:stretch>
+            <a:fillRect/>
+          </a:stretch>
+        </p:blipFill>
+        <p:spPr>
+          <a:xfrm>
+            <a:off x="0" y="1214422"/>
+            <a:ext cx="9144000" cy="5339660"/>
+          </a:xfrm>
+          <a:prstGeom prst="rect">
+            <a:avLst/>
+          </a:prstGeom>
+        </p:spPr>
+      </p:pic>
+    </p:spTree>
+  </p:cSld>
+  <p:clrMapOvr>
+    <a:masterClrMapping/>
+  </p:clrMapOvr>
+</p:sld>
+</file>
+
+<file path=ppt/slides/slide9.xml><?xml version="1.0" encoding="utf-8"?>
+<p:sld xmlns:a="http://schemas.openxmlformats.org/drawingml/2006/main" xmlns:r="http://schemas.openxmlformats.org/officeDocument/2006/relationships" xmlns:p="http://schemas.openxmlformats.org/presentationml/2006/main">
+  <p:cSld>
+    <p:spTree>
+      <p:nvGrpSpPr>
+        <p:cNvPr id="1" name=""/>
+        <p:cNvGrpSpPr/>
+        <p:nvPr/>
+      </p:nvGrpSpPr>
+      <p:grpSpPr>
+        <a:xfrm>
+          <a:off x="0" y="0"/>
+          <a:ext cx="0" cy="0"/>
+          <a:chOff x="0" y="0"/>
+          <a:chExt cx="0" cy="0"/>
+        </a:xfrm>
+      </p:grpSpPr>
+      <p:pic>
+        <p:nvPicPr>
+          <p:cNvPr id="5122" name="Picture 2"/>
+          <p:cNvPicPr>
+            <a:picLocks noChangeAspect="1" noChangeArrowheads="1"/>
+          </p:cNvPicPr>
+          <p:nvPr/>
+        </p:nvPicPr>
+        <p:blipFill>
+          <a:blip r:embed="rId2"/>
+          <a:srcRect/>
+          <a:stretch>
+            <a:fillRect/>
+          </a:stretch>
+        </p:blipFill>
+        <p:spPr bwMode="auto">
+          <a:xfrm>
+            <a:off x="0" y="1142984"/>
+            <a:ext cx="9144000" cy="5715016"/>
+          </a:xfrm>
+          <a:prstGeom prst="rect">
+            <a:avLst/>
+          </a:prstGeom>
+          <a:noFill/>
+          <a:ln w="9525">
+            <a:noFill/>
+            <a:miter lim="800000"/>
+            <a:headEnd/>
+            <a:tailEnd/>
+          </a:ln>
+          <a:effectLst/>
+        </p:spPr>
+      </p:pic>
+    </p:spTree>
+  </p:cSld>
+  <p:clrMapOvr>
+    <a:masterClrMapping/>
+  </p:clrMapOvr>
 </p:sld>
 </file>
 
